--- a/docs/backup.pptx
+++ b/docs/backup.pptx
@@ -188,9 +188,9 @@
           </c:tx>
           <c:spPr>
             <a:solidFill>
-              <a:schemeClr val="accent6">
-                <a:lumMod val="40000"/>
-                <a:lumOff val="60000"/>
+              <a:schemeClr val="accent3">
+                <a:lumMod val="60000"/>
+                <a:lumOff val="40000"/>
               </a:schemeClr>
             </a:solidFill>
           </c:spPr>
@@ -280,9 +280,9 @@
           </c:tx>
           <c:spPr>
             <a:solidFill>
-              <a:schemeClr val="accent6">
-                <a:lumMod val="20000"/>
-                <a:lumOff val="80000"/>
+              <a:schemeClr val="accent2">
+                <a:lumMod val="40000"/>
+                <a:lumOff val="60000"/>
               </a:schemeClr>
             </a:solidFill>
           </c:spPr>
@@ -4949,8 +4949,8 @@
         </p:blipFill>
         <p:spPr>
           <a:xfrm>
-            <a:off x="1143002" y="647700"/>
-            <a:ext cx="3319562" cy="3540865"/>
+            <a:off x="1143000" y="647700"/>
+            <a:ext cx="3235452" cy="3540865"/>
           </a:xfrm>
           <a:prstGeom prst="rect">
             <a:avLst/>
@@ -5160,7 +5160,7 @@
         </p:nvSpPr>
         <p:spPr>
           <a:xfrm>
-            <a:off x="1143000" y="12699442"/>
+            <a:off x="1143000" y="12715842"/>
             <a:ext cx="12801600" cy="1219200"/>
           </a:xfrm>
           <a:prstGeom prst="round1Rect">
@@ -5182,7 +5182,7 @@
           <a:lstStyle/>
           <a:p>
             <a:r>
-              <a:rPr lang="en-US" b="1" dirty="0" smtClean="0"/>
+              <a:rPr lang="en-US" b="1" dirty="0" err="1" smtClean="0"/>
               <a:t>BackGround</a:t>
             </a:r>
             <a:r>
@@ -5216,7 +5216,7 @@
         </p:spPr>
         <p:txBody>
           <a:bodyPr>
-            <a:normAutofit lnSpcReduction="10000"/>
+            <a:normAutofit/>
           </a:bodyPr>
           <a:lstStyle/>
           <a:p>
@@ -5224,152 +5224,307 @@
               <a:spcBef>
                 <a:spcPts val="0"/>
               </a:spcBef>
-              <a:buNone/>
-            </a:pPr>
-            <a:r>
-              <a:rPr lang="en-US" sz="3200" dirty="0" smtClean="0"/>
-              <a:t>Speech recognition interfaces can be extremely beneficial for applications in the developing world, particularly in communities where literacy rates are low or where PCs/internet connections are not always available [1, 2].</a:t>
-            </a:r>
-          </a:p>
-          <a:p>
-            <a:pPr marL="0">
-              <a:spcBef>
-                <a:spcPts val="0"/>
-              </a:spcBef>
-              <a:buNone/>
-            </a:pPr>
-            <a:endParaRPr lang="en-US" sz="3200" dirty="0" smtClean="0"/>
-          </a:p>
-          <a:p>
-            <a:pPr marL="0">
-              <a:spcBef>
-                <a:spcPts val="0"/>
-              </a:spcBef>
-              <a:buNone/>
-            </a:pPr>
-            <a:r>
-              <a:rPr lang="en-US" sz="3200" dirty="0" smtClean="0"/>
-              <a:t>Unfortunately, large speech corpora are simply not available for the LRLs spoken in such communities. Such data is, however, essential for the training of acoustic models in speech recognizers. </a:t>
-            </a:r>
-          </a:p>
-          <a:p>
-            <a:pPr marL="0">
-              <a:spcBef>
-                <a:spcPts val="0"/>
-              </a:spcBef>
-              <a:buNone/>
-            </a:pPr>
-            <a:endParaRPr lang="en-US" sz="3200" dirty="0" smtClean="0"/>
-          </a:p>
-          <a:p>
-            <a:pPr marL="0">
-              <a:spcBef>
-                <a:spcPts val="0"/>
-              </a:spcBef>
-              <a:buNone/>
-            </a:pPr>
-            <a:r>
-              <a:rPr lang="en-US" sz="3200" dirty="0" smtClean="0"/>
-              <a:t>However, for small-vocabulary applications (requiring recognition of a few dozen terms), we can use an existing recognizer trained for a HRL (e.g. the American English recognition engine of the Microsoft Speech Platform [3]) to accomplish recognition. </a:t>
-            </a:r>
-          </a:p>
-          <a:p>
-            <a:pPr marL="0">
-              <a:spcBef>
-                <a:spcPts val="0"/>
-              </a:spcBef>
-              <a:buNone/>
-            </a:pPr>
-            <a:endParaRPr lang="en-US" sz="3200" dirty="0" smtClean="0"/>
-          </a:p>
-          <a:p>
-            <a:pPr marL="0">
-              <a:spcBef>
-                <a:spcPts val="0"/>
-              </a:spcBef>
-              <a:buNone/>
-            </a:pPr>
-            <a:r>
-              <a:rPr lang="en-US" sz="3200" dirty="0" smtClean="0"/>
-              <a:t>The idea is to feed the engine with a pronunciation lexicon mapping each term in the target vocabulary to one or more sequences of phonemes in the HRL, i.e. phonemes which the recognizer can model.</a:t>
-            </a:r>
-          </a:p>
-          <a:p>
-            <a:pPr marL="0">
-              <a:spcBef>
-                <a:spcPts val="0"/>
-              </a:spcBef>
-              <a:buNone/>
-            </a:pPr>
-            <a:endParaRPr lang="en-US" sz="3200" dirty="0" smtClean="0"/>
-          </a:p>
-          <a:p>
-            <a:pPr marL="0">
-              <a:spcBef>
-                <a:spcPts val="0"/>
-              </a:spcBef>
-              <a:buNone/>
-            </a:pPr>
-            <a:endParaRPr lang="en-US" sz="3200" dirty="0" smtClean="0"/>
-          </a:p>
-          <a:p>
-            <a:pPr marL="0">
-              <a:spcBef>
-                <a:spcPts val="0"/>
-              </a:spcBef>
-              <a:buNone/>
-            </a:pPr>
-            <a:r>
-              <a:rPr lang="en-US" sz="3200" dirty="0" smtClean="0"/>
-              <a:t>The recognition task requires:</a:t>
-            </a:r>
-          </a:p>
-          <a:p>
-            <a:pPr fontAlgn="base">
               <a:buClr>
                 <a:schemeClr val="accent3"/>
               </a:buClr>
-            </a:pPr>
-            <a:r>
-              <a:rPr lang="en-US" dirty="0" smtClean="0"/>
-              <a:t>audio input in the target LRL</a:t>
-            </a:r>
-          </a:p>
-          <a:p>
-            <a:pPr fontAlgn="base">
+              <a:buNone/>
+            </a:pPr>
+            <a:r>
+              <a:rPr lang="en-US" sz="3200" b="1" dirty="0" smtClean="0"/>
+              <a:t>Motivation</a:t>
+            </a:r>
+            <a:endParaRPr lang="en-US" sz="3200" b="1" dirty="0" smtClean="0"/>
+          </a:p>
+          <a:p>
+            <a:pPr>
+              <a:spcBef>
+                <a:spcPts val="0"/>
+              </a:spcBef>
               <a:buClr>
                 <a:schemeClr val="accent3"/>
               </a:buClr>
             </a:pPr>
             <a:r>
-              <a:rPr lang="en-US" dirty="0" smtClean="0"/>
-              <a:t>application-specific grammar</a:t>
-            </a:r>
-          </a:p>
-          <a:p>
-            <a:pPr fontAlgn="base">
+              <a:rPr lang="en-US" sz="3200" dirty="0" smtClean="0"/>
+              <a:t>S</a:t>
+            </a:r>
+            <a:r>
+              <a:rPr lang="en-US" sz="3200" dirty="0" smtClean="0"/>
+              <a:t>peech interfaces beneficial for developing-world applications [1, 2]</a:t>
+            </a:r>
+          </a:p>
+          <a:p>
+            <a:pPr>
+              <a:spcBef>
+                <a:spcPts val="0"/>
+              </a:spcBef>
               <a:buClr>
                 <a:schemeClr val="accent3"/>
               </a:buClr>
             </a:pPr>
             <a:r>
-              <a:rPr lang="en-US" dirty="0" smtClean="0"/>
-              <a:t>lexicon for terms in grammar</a:t>
-            </a:r>
-          </a:p>
-          <a:p>
-            <a:pPr fontAlgn="base">
+              <a:rPr lang="en-US" sz="3200" dirty="0" smtClean="0"/>
+              <a:t>Training recognition engines for new languages typically requires:</a:t>
+            </a:r>
+            <a:endParaRPr lang="en-US" sz="3200" dirty="0" smtClean="0"/>
+          </a:p>
+          <a:p>
+            <a:pPr lvl="1">
+              <a:spcBef>
+                <a:spcPts val="0"/>
+              </a:spcBef>
               <a:buClr>
                 <a:schemeClr val="accent3"/>
               </a:buClr>
             </a:pPr>
             <a:r>
-              <a:rPr lang="en-US" dirty="0" smtClean="0"/>
-              <a:t>recognition engine for the HRL</a:t>
-            </a:r>
+              <a:rPr lang="en-US" sz="2800" dirty="0" smtClean="0"/>
+              <a:t>Large collections of speech data (n</a:t>
+            </a:r>
+            <a:r>
+              <a:rPr lang="en-US" sz="2800" dirty="0" smtClean="0"/>
+              <a:t>ot available for LRLs)</a:t>
+            </a:r>
+          </a:p>
+          <a:p>
+            <a:pPr lvl="1">
+              <a:spcBef>
+                <a:spcPts val="0"/>
+              </a:spcBef>
+              <a:buClr>
+                <a:schemeClr val="accent3"/>
+              </a:buClr>
+            </a:pPr>
+            <a:r>
+              <a:rPr lang="en-US" sz="2800" dirty="0" smtClean="0"/>
+              <a:t>Expertise with speech/language technologies</a:t>
+            </a:r>
+            <a:endParaRPr lang="en-US" sz="2800" dirty="0" smtClean="0"/>
+          </a:p>
+          <a:p>
+            <a:pPr>
+              <a:spcBef>
+                <a:spcPts val="0"/>
+              </a:spcBef>
+              <a:buClr>
+                <a:schemeClr val="accent3"/>
+              </a:buClr>
+              <a:buNone/>
+            </a:pPr>
+            <a:r>
+              <a:rPr lang="en-US" sz="600" dirty="0" smtClean="0"/>
+              <a:t> </a:t>
+            </a:r>
+            <a:endParaRPr lang="en-US" sz="3200" dirty="0" smtClean="0"/>
+          </a:p>
+          <a:p>
+            <a:pPr>
+              <a:spcBef>
+                <a:spcPts val="0"/>
+              </a:spcBef>
+              <a:buClr>
+                <a:schemeClr val="accent3"/>
+              </a:buClr>
+            </a:pPr>
+            <a:endParaRPr lang="en-US" sz="600" dirty="0" smtClean="0"/>
+          </a:p>
+          <a:p>
+            <a:pPr>
+              <a:spcBef>
+                <a:spcPts val="0"/>
+              </a:spcBef>
+              <a:buClr>
+                <a:schemeClr val="accent3"/>
+              </a:buClr>
+              <a:buNone/>
+            </a:pPr>
+            <a:r>
+              <a:rPr lang="en-US" sz="3200" b="1" dirty="0" smtClean="0"/>
+              <a:t>Strategy</a:t>
+            </a:r>
+            <a:endParaRPr lang="en-US" sz="3200" b="1" dirty="0" smtClean="0"/>
+          </a:p>
+          <a:p>
+            <a:pPr>
+              <a:spcBef>
+                <a:spcPts val="0"/>
+              </a:spcBef>
+              <a:buClr>
+                <a:schemeClr val="accent3"/>
+              </a:buClr>
+            </a:pPr>
+            <a:r>
+              <a:rPr lang="en-US" sz="3200" dirty="0" smtClean="0"/>
+              <a:t>U</a:t>
+            </a:r>
+            <a:r>
+              <a:rPr lang="en-US" sz="3200" dirty="0" smtClean="0"/>
+              <a:t>se existing </a:t>
+            </a:r>
+            <a:r>
+              <a:rPr lang="en-US" sz="3200" dirty="0" smtClean="0"/>
+              <a:t>recognizer trained for </a:t>
+            </a:r>
+            <a:r>
+              <a:rPr lang="en-US" sz="3200" dirty="0" smtClean="0"/>
+              <a:t>a HRL to recognize LRL speech</a:t>
+            </a:r>
+          </a:p>
+          <a:p>
+            <a:pPr lvl="1">
+              <a:spcBef>
+                <a:spcPts val="0"/>
+              </a:spcBef>
+              <a:buClr>
+                <a:schemeClr val="accent3"/>
+              </a:buClr>
+            </a:pPr>
+            <a:r>
+              <a:rPr lang="en-US" sz="2800" dirty="0" smtClean="0"/>
+              <a:t>High-quality commercial engines available in languages such as English</a:t>
+            </a:r>
+          </a:p>
+          <a:p>
+            <a:pPr lvl="1">
+              <a:spcBef>
+                <a:spcPts val="0"/>
+              </a:spcBef>
+              <a:buClr>
+                <a:schemeClr val="accent3"/>
+              </a:buClr>
+            </a:pPr>
+            <a:r>
+              <a:rPr lang="en-US" sz="2800" dirty="0" smtClean="0"/>
+              <a:t>e.g. Microsoft Speech Platform, 20+ HRLs [3]</a:t>
+            </a:r>
+          </a:p>
+          <a:p>
+            <a:pPr>
+              <a:spcBef>
+                <a:spcPts val="600"/>
+              </a:spcBef>
+              <a:buClr>
+                <a:schemeClr val="accent3"/>
+              </a:buClr>
+            </a:pPr>
+            <a:r>
+              <a:rPr lang="en-US" sz="3200" dirty="0" smtClean="0"/>
+              <a:t>Recognition task requires:</a:t>
+            </a:r>
+          </a:p>
+          <a:p>
+            <a:pPr lvl="1" fontAlgn="base">
+              <a:spcBef>
+                <a:spcPts val="0"/>
+              </a:spcBef>
+              <a:buClr>
+                <a:schemeClr val="accent3"/>
+              </a:buClr>
+            </a:pPr>
+            <a:r>
+              <a:rPr lang="en-US" sz="2800" dirty="0" smtClean="0"/>
+              <a:t>Application-specific grammar (small vocabulary)</a:t>
+            </a:r>
+            <a:endParaRPr lang="en-US" sz="2800" dirty="0" smtClean="0"/>
+          </a:p>
+          <a:p>
+            <a:pPr lvl="1" fontAlgn="base">
+              <a:spcBef>
+                <a:spcPts val="0"/>
+              </a:spcBef>
+              <a:buClr>
+                <a:schemeClr val="accent3"/>
+              </a:buClr>
+            </a:pPr>
+            <a:r>
+              <a:rPr lang="en-US" sz="2800" dirty="0" smtClean="0"/>
+              <a:t>Pronunciation lexicon </a:t>
+            </a:r>
+            <a:r>
+              <a:rPr lang="en-US" sz="2800" dirty="0" smtClean="0"/>
+              <a:t>for terms in </a:t>
+            </a:r>
+            <a:r>
+              <a:rPr lang="en-US" sz="2800" dirty="0" smtClean="0"/>
+              <a:t>grammar</a:t>
+            </a:r>
+          </a:p>
+          <a:p>
+            <a:pPr fontAlgn="base">
+              <a:spcBef>
+                <a:spcPts val="600"/>
+              </a:spcBef>
+              <a:buClr>
+                <a:schemeClr val="accent3"/>
+              </a:buClr>
+            </a:pPr>
+            <a:r>
+              <a:rPr lang="en-US" sz="3200" dirty="0" smtClean="0"/>
+              <a:t>Key component: lexicon </a:t>
+            </a:r>
+          </a:p>
+          <a:p>
+            <a:pPr lvl="1" fontAlgn="base">
+              <a:spcBef>
+                <a:spcPts val="0"/>
+              </a:spcBef>
+              <a:buClr>
+                <a:schemeClr val="accent3"/>
+              </a:buClr>
+            </a:pPr>
+            <a:r>
+              <a:rPr lang="en-US" sz="2800" dirty="0" smtClean="0"/>
+              <a:t>M</a:t>
+            </a:r>
+            <a:r>
+              <a:rPr lang="en-US" sz="2800" dirty="0" smtClean="0"/>
+              <a:t>aps </a:t>
+            </a:r>
+            <a:r>
+              <a:rPr lang="en-US" sz="2800" dirty="0" smtClean="0"/>
+              <a:t>each term in </a:t>
+            </a:r>
+            <a:r>
+              <a:rPr lang="en-US" sz="2800" dirty="0" smtClean="0"/>
+              <a:t>target </a:t>
+            </a:r>
+            <a:r>
+              <a:rPr lang="en-US" sz="2800" dirty="0" smtClean="0"/>
+              <a:t>vocabulary to </a:t>
+            </a:r>
+            <a:r>
+              <a:rPr lang="en-US" sz="2800" dirty="0" smtClean="0"/>
+              <a:t>sequence(s) </a:t>
+            </a:r>
+            <a:r>
+              <a:rPr lang="en-US" sz="2800" dirty="0" smtClean="0"/>
+              <a:t>of </a:t>
+            </a:r>
+            <a:r>
+              <a:rPr lang="en-US" sz="2800" dirty="0" smtClean="0"/>
+              <a:t>HRL phonemes </a:t>
+            </a:r>
+          </a:p>
+          <a:p>
+            <a:pPr lvl="1" fontAlgn="base">
+              <a:spcBef>
+                <a:spcPts val="0"/>
+              </a:spcBef>
+              <a:buClr>
+                <a:schemeClr val="accent3"/>
+              </a:buClr>
+            </a:pPr>
+            <a:r>
+              <a:rPr lang="en-US" sz="2800" dirty="0" smtClean="0"/>
+              <a:t>Recognizer can model these phonemes &amp; recognize the sequences</a:t>
+            </a:r>
+            <a:endParaRPr lang="en-US" sz="2800" dirty="0" smtClean="0"/>
           </a:p>
           <a:p>
             <a:pPr marL="0">
+              <a:spcBef>
+                <a:spcPts val="0"/>
+              </a:spcBef>
               <a:buNone/>
             </a:pPr>
             <a:endParaRPr lang="en-US" sz="3200" dirty="0" smtClean="0"/>
@@ -5378,31 +5533,159 @@
             <a:pPr marL="0">
               <a:buNone/>
             </a:pPr>
+            <a:endParaRPr lang="en-US" sz="3200" dirty="0" smtClean="0"/>
+          </a:p>
+          <a:p>
+            <a:pPr marL="0">
+              <a:buNone/>
+            </a:pPr>
+            <a:endParaRPr lang="en-US" sz="3200" dirty="0" smtClean="0"/>
+          </a:p>
+          <a:p>
+            <a:pPr marL="0">
+              <a:buNone/>
+            </a:pPr>
+            <a:endParaRPr lang="en-US" sz="3200" dirty="0" smtClean="0"/>
+          </a:p>
+          <a:p>
+            <a:pPr marL="0">
+              <a:buNone/>
+            </a:pPr>
+            <a:endParaRPr lang="en-US" sz="3200" dirty="0" smtClean="0"/>
+          </a:p>
+          <a:p>
+            <a:pPr marL="0">
+              <a:buNone/>
+            </a:pPr>
+            <a:endParaRPr lang="en-US" sz="3200" dirty="0" smtClean="0"/>
+          </a:p>
+          <a:p>
+            <a:pPr marL="0">
+              <a:buNone/>
+            </a:pPr>
+            <a:endParaRPr lang="en-US" sz="3200" dirty="0" smtClean="0"/>
+          </a:p>
+          <a:p>
+            <a:pPr marL="0">
+              <a:buNone/>
+            </a:pPr>
             <a:endParaRPr lang="en-US" sz="3200" dirty="0"/>
           </a:p>
           <a:p>
             <a:pPr marL="0">
-              <a:buNone/>
+              <a:spcBef>
+                <a:spcPts val="0"/>
+              </a:spcBef>
+              <a:buClr>
+                <a:schemeClr val="accent3"/>
+              </a:buClr>
+              <a:buNone/>
+            </a:pPr>
+            <a:endParaRPr lang="en-US" sz="3200" b="1" dirty="0" smtClean="0"/>
+          </a:p>
+          <a:p>
+            <a:pPr marL="0">
+              <a:spcBef>
+                <a:spcPts val="0"/>
+              </a:spcBef>
+              <a:buClr>
+                <a:schemeClr val="accent3"/>
+              </a:buClr>
+              <a:buNone/>
+            </a:pPr>
+            <a:r>
+              <a:rPr lang="en-US" sz="3200" b="1" dirty="0" smtClean="0"/>
+              <a:t>lex4all: Pronunciation Lexicons for Any Low-resource Language</a:t>
+            </a:r>
+            <a:endParaRPr lang="en-US" sz="3200" b="1" dirty="0" smtClean="0"/>
+          </a:p>
+          <a:p>
+            <a:pPr>
+              <a:spcBef>
+                <a:spcPts val="0"/>
+              </a:spcBef>
+              <a:buClr>
+                <a:schemeClr val="accent3"/>
+              </a:buClr>
             </a:pPr>
             <a:r>
               <a:rPr lang="en-US" sz="3200" dirty="0" smtClean="0"/>
-              <a:t>Given a tool for automatically creating such lexicons, small-scale developers could add speech interfaces to applications in any language without large audio collections or expertise in speech technology. </a:t>
-            </a:r>
-          </a:p>
-          <a:p>
-            <a:pPr marL="0">
-              <a:buNone/>
-            </a:pPr>
+              <a:t>Fast, user-friendly tool for lexicon building</a:t>
+            </a:r>
+          </a:p>
+          <a:p>
+            <a:pPr>
+              <a:spcBef>
+                <a:spcPts val="0"/>
+              </a:spcBef>
+              <a:buClr>
+                <a:schemeClr val="accent3"/>
+              </a:buClr>
+            </a:pPr>
+            <a:r>
+              <a:rPr lang="en-US" sz="3200" dirty="0" smtClean="0"/>
+              <a:t>GUI-based desktop application for Windows</a:t>
+            </a:r>
             <a:endParaRPr lang="en-US" sz="3200" dirty="0" smtClean="0"/>
           </a:p>
           <a:p>
-            <a:pPr marL="0">
-              <a:buNone/>
+            <a:pPr>
+              <a:spcBef>
+                <a:spcPts val="0"/>
+              </a:spcBef>
+              <a:buClr>
+                <a:schemeClr val="accent3"/>
+              </a:buClr>
             </a:pPr>
             <a:r>
               <a:rPr lang="en-US" sz="3200" dirty="0" smtClean="0"/>
-              <a:t>This is the motivation behind lex4all, a desktop application for Windows based on the Microsoft Speech Platform [3] and the Salaam algorithm for pronunciation mapping [1, 2] (see “Algorithm”).</a:t>
-            </a:r>
+              <a:t>Backend built using:</a:t>
+            </a:r>
+          </a:p>
+          <a:p>
+            <a:pPr lvl="1">
+              <a:spcBef>
+                <a:spcPts val="0"/>
+              </a:spcBef>
+              <a:buClr>
+                <a:schemeClr val="accent3"/>
+              </a:buClr>
+            </a:pPr>
+            <a:r>
+              <a:rPr lang="en-US" sz="2800" dirty="0" smtClean="0"/>
+              <a:t>Microsoft </a:t>
+            </a:r>
+            <a:r>
+              <a:rPr lang="en-US" sz="2800" dirty="0" smtClean="0"/>
+              <a:t>Speech </a:t>
+            </a:r>
+            <a:r>
+              <a:rPr lang="en-US" sz="2800" dirty="0" smtClean="0"/>
+              <a:t>Platform </a:t>
+            </a:r>
+            <a:r>
+              <a:rPr lang="en-US" sz="2800" dirty="0" smtClean="0"/>
+              <a:t>[</a:t>
+            </a:r>
+            <a:r>
+              <a:rPr lang="en-US" sz="2800" dirty="0" smtClean="0"/>
+              <a:t>3]</a:t>
+            </a:r>
+          </a:p>
+          <a:p>
+            <a:pPr lvl="1">
+              <a:spcBef>
+                <a:spcPts val="0"/>
+              </a:spcBef>
+              <a:buClr>
+                <a:schemeClr val="accent3"/>
+              </a:buClr>
+            </a:pPr>
+            <a:r>
+              <a:rPr lang="en-US" sz="2800" dirty="0" smtClean="0"/>
+              <a:t>Salaam algorithm for pronunciation mapping [1, 2] (see “Algorithm”)</a:t>
+            </a:r>
+            <a:endParaRPr lang="en-US" sz="3200" dirty="0" smtClean="0"/>
           </a:p>
         </p:txBody>
       </p:sp>
@@ -5459,7 +5742,7 @@
         </p:nvSpPr>
         <p:spPr>
           <a:xfrm>
-            <a:off x="15544800" y="7079995"/>
+            <a:off x="15544800" y="7077036"/>
             <a:ext cx="12801600" cy="7018421"/>
           </a:xfrm>
           <a:ln w="3175">
@@ -5494,7 +5777,7 @@
         </p:nvSpPr>
         <p:spPr>
           <a:xfrm>
-            <a:off x="15544800" y="14679636"/>
+            <a:off x="15544800" y="14671436"/>
             <a:ext cx="12801600" cy="1219200"/>
           </a:xfrm>
           <a:prstGeom prst="round1Rect">
@@ -5704,7 +5987,7 @@
         </p:nvSpPr>
         <p:spPr>
           <a:xfrm>
-            <a:off x="29876818" y="5845303"/>
+            <a:off x="29900880" y="5857945"/>
             <a:ext cx="12801600" cy="1219200"/>
           </a:xfrm>
           <a:prstGeom prst="round1Rect">
@@ -5745,7 +6028,7 @@
         </p:nvSpPr>
         <p:spPr>
           <a:xfrm>
-            <a:off x="29876818" y="7082893"/>
+            <a:off x="29900880" y="7082893"/>
             <a:ext cx="12801600" cy="12285761"/>
           </a:xfrm>
           <a:ln w="3175">
@@ -5868,7 +6151,7 @@
         </p:nvSpPr>
         <p:spPr>
           <a:xfrm>
-            <a:off x="15535545" y="24663707"/>
+            <a:off x="15544800" y="24688307"/>
             <a:ext cx="12801600" cy="1219200"/>
           </a:xfrm>
           <a:prstGeom prst="round1Rect">
@@ -5934,7 +6217,7 @@
         </p:nvSpPr>
         <p:spPr>
           <a:xfrm>
-            <a:off x="29900880" y="20079850"/>
+            <a:off x="29900880" y="20096706"/>
             <a:ext cx="12801600" cy="1219200"/>
           </a:xfrm>
           <a:prstGeom prst="round1Rect">
@@ -6341,8 +6624,8 @@
         </p:blipFill>
         <p:spPr>
           <a:xfrm>
-            <a:off x="7652084" y="21476834"/>
-            <a:ext cx="6101507" cy="4286768"/>
+            <a:off x="3548076" y="21224466"/>
+            <a:ext cx="7668768" cy="5387887"/>
           </a:xfrm>
           <a:prstGeom prst="rect">
             <a:avLst/>
@@ -6366,7 +6649,7 @@
         </p:blipFill>
         <p:spPr>
           <a:xfrm>
-            <a:off x="16513386" y="7317607"/>
+            <a:off x="16513386" y="7314648"/>
             <a:ext cx="10944014" cy="6675708"/>
           </a:xfrm>
           <a:prstGeom prst="rect">
@@ -6386,7 +6669,7 @@
         </p:nvSpPr>
         <p:spPr>
           <a:xfrm>
-            <a:off x="15565073" y="25909732"/>
+            <a:off x="15544800" y="25909732"/>
             <a:ext cx="12801600" cy="4120042"/>
           </a:xfrm>
           <a:ln w="3175">
@@ -6494,7 +6777,7 @@
         </p:nvSpPr>
         <p:spPr>
           <a:xfrm>
-            <a:off x="29935055" y="30632400"/>
+            <a:off x="29900880" y="30632400"/>
             <a:ext cx="12817908" cy="1565701"/>
           </a:xfrm>
           <a:prstGeom prst="rect">
@@ -6674,8 +6957,8 @@
         </p:blipFill>
         <p:spPr>
           <a:xfrm>
-            <a:off x="39411194" y="655722"/>
-            <a:ext cx="3319562" cy="3540865"/>
+            <a:off x="39453249" y="649224"/>
+            <a:ext cx="3235452" cy="3540865"/>
           </a:xfrm>
           <a:prstGeom prst="rect">
             <a:avLst/>
